--- a/Kickstarter - PowerPoint.pptx
+++ b/Kickstarter - PowerPoint.pptx
@@ -8555,12 +8555,20 @@
           </a:p>
           <a:p>
             <a:r>
+              <a:rPr lang="en-US" dirty="0">
+                <a:solidFill>
+                  <a:schemeClr val="bg1"/>
+                </a:solidFill>
+              </a:rPr>
+              <a:t>Hani N</a:t>
+            </a:r>
+            <a:r>
               <a:rPr lang="en-US">
                 <a:solidFill>
                   <a:schemeClr val="bg1"/>
                 </a:solidFill>
               </a:rPr>
-              <a:t>Hani</a:t>
+              <a:t>oueilaty</a:t>
             </a:r>
             <a:endParaRPr lang="en-US" dirty="0">
               <a:solidFill>
